--- a/Documents/Banner.pptx
+++ b/Documents/Banner.pptx
@@ -247,7 +247,7 @@
           <a:p>
             <a:fld id="{E46B4C72-4460-4C5C-9A95-F30FC5C356F0}" type="datetimeFigureOut">
               <a:rPr lang="en-US" smtClean="0"/>
-              <a:t>6/9/2018</a:t>
+              <a:t>6/10/2018</a:t>
             </a:fld>
             <a:endParaRPr lang="en-US"/>
           </a:p>
@@ -417,7 +417,7 @@
           <a:p>
             <a:fld id="{E46B4C72-4460-4C5C-9A95-F30FC5C356F0}" type="datetimeFigureOut">
               <a:rPr lang="en-US" smtClean="0"/>
-              <a:t>6/9/2018</a:t>
+              <a:t>6/10/2018</a:t>
             </a:fld>
             <a:endParaRPr lang="en-US"/>
           </a:p>
@@ -597,7 +597,7 @@
           <a:p>
             <a:fld id="{E46B4C72-4460-4C5C-9A95-F30FC5C356F0}" type="datetimeFigureOut">
               <a:rPr lang="en-US" smtClean="0"/>
-              <a:t>6/9/2018</a:t>
+              <a:t>6/10/2018</a:t>
             </a:fld>
             <a:endParaRPr lang="en-US"/>
           </a:p>
@@ -767,7 +767,7 @@
           <a:p>
             <a:fld id="{E46B4C72-4460-4C5C-9A95-F30FC5C356F0}" type="datetimeFigureOut">
               <a:rPr lang="en-US" smtClean="0"/>
-              <a:t>6/9/2018</a:t>
+              <a:t>6/10/2018</a:t>
             </a:fld>
             <a:endParaRPr lang="en-US"/>
           </a:p>
@@ -1011,7 +1011,7 @@
           <a:p>
             <a:fld id="{E46B4C72-4460-4C5C-9A95-F30FC5C356F0}" type="datetimeFigureOut">
               <a:rPr lang="en-US" smtClean="0"/>
-              <a:t>6/9/2018</a:t>
+              <a:t>6/10/2018</a:t>
             </a:fld>
             <a:endParaRPr lang="en-US"/>
           </a:p>
@@ -1243,7 +1243,7 @@
           <a:p>
             <a:fld id="{E46B4C72-4460-4C5C-9A95-F30FC5C356F0}" type="datetimeFigureOut">
               <a:rPr lang="en-US" smtClean="0"/>
-              <a:t>6/9/2018</a:t>
+              <a:t>6/10/2018</a:t>
             </a:fld>
             <a:endParaRPr lang="en-US"/>
           </a:p>
@@ -1610,7 +1610,7 @@
           <a:p>
             <a:fld id="{E46B4C72-4460-4C5C-9A95-F30FC5C356F0}" type="datetimeFigureOut">
               <a:rPr lang="en-US" smtClean="0"/>
-              <a:t>6/9/2018</a:t>
+              <a:t>6/10/2018</a:t>
             </a:fld>
             <a:endParaRPr lang="en-US"/>
           </a:p>
@@ -1728,7 +1728,7 @@
           <a:p>
             <a:fld id="{E46B4C72-4460-4C5C-9A95-F30FC5C356F0}" type="datetimeFigureOut">
               <a:rPr lang="en-US" smtClean="0"/>
-              <a:t>6/9/2018</a:t>
+              <a:t>6/10/2018</a:t>
             </a:fld>
             <a:endParaRPr lang="en-US"/>
           </a:p>
@@ -1823,7 +1823,7 @@
           <a:p>
             <a:fld id="{E46B4C72-4460-4C5C-9A95-F30FC5C356F0}" type="datetimeFigureOut">
               <a:rPr lang="en-US" smtClean="0"/>
-              <a:t>6/9/2018</a:t>
+              <a:t>6/10/2018</a:t>
             </a:fld>
             <a:endParaRPr lang="en-US"/>
           </a:p>
@@ -2100,7 +2100,7 @@
           <a:p>
             <a:fld id="{E46B4C72-4460-4C5C-9A95-F30FC5C356F0}" type="datetimeFigureOut">
               <a:rPr lang="en-US" smtClean="0"/>
-              <a:t>6/9/2018</a:t>
+              <a:t>6/10/2018</a:t>
             </a:fld>
             <a:endParaRPr lang="en-US"/>
           </a:p>
@@ -2357,7 +2357,7 @@
           <a:p>
             <a:fld id="{E46B4C72-4460-4C5C-9A95-F30FC5C356F0}" type="datetimeFigureOut">
               <a:rPr lang="en-US" smtClean="0"/>
-              <a:t>6/9/2018</a:t>
+              <a:t>6/10/2018</a:t>
             </a:fld>
             <a:endParaRPr lang="en-US"/>
           </a:p>
@@ -2570,7 +2570,7 @@
           <a:p>
             <a:fld id="{E46B4C72-4460-4C5C-9A95-F30FC5C356F0}" type="datetimeFigureOut">
               <a:rPr lang="en-US" smtClean="0"/>
-              <a:t>6/9/2018</a:t>
+              <a:t>6/10/2018</a:t>
             </a:fld>
             <a:endParaRPr lang="en-US"/>
           </a:p>
@@ -3300,14 +3300,7 @@
             <a:pPr algn="just"/>
             <a:r>
               <a:rPr lang="pt-BR" sz="1400" dirty="0"/>
-              <a:t>Apesar de ser cada vez mais fácil a criação de websites, nem todas as organizações não governamentais possuem recursos para aplicar esta ferramenta de informação.</a:t>
-            </a:r>
-          </a:p>
-          <a:p>
-            <a:pPr algn="just"/>
-            <a:r>
-              <a:rPr lang="pt-BR" sz="1400" dirty="0"/>
-              <a:t>Em 2016, o IBGE identificou queda no uso de computadores pela população para 46,2%. Os dispositivos móveis tem 62% da população brasileira como usuário. Com esses dados, é possível justificar a escolha da criação do </a:t>
+              <a:t>Atualmente existe uma facilidade maior em criação de websites, porém, existe ONG que não possui este recurso. A </a:t>
             </a:r>
             <a:r>
               <a:rPr lang="pt-BR" sz="1400" dirty="0" err="1"/>
@@ -3315,7 +3308,30 @@
             </a:r>
             <a:r>
               <a:rPr lang="pt-BR" sz="1400" dirty="0"/>
-              <a:t>: Uma aplicação mobile com o objetivo de integrar participantes e organizações de uma forma mais fácil.</a:t>
+              <a:t> tem o intuito de disponibilizar um ambiente </a:t>
+            </a:r>
+            <a:r>
+              <a:rPr lang="pt-BR" sz="1400" b="1" dirty="0"/>
+              <a:t>gratuito</a:t>
+            </a:r>
+            <a:r>
+              <a:rPr lang="pt-BR" sz="1400" dirty="0"/>
+              <a:t> para centralizar informação e atividades de projetos realizados pelas ONGs. A acessibilidade do aplicativo aumentará a visibilidade de organizações locais ao usuário de interesse.</a:t>
+            </a:r>
+          </a:p>
+          <a:p>
+            <a:pPr algn="just"/>
+            <a:r>
+              <a:rPr lang="pt-BR" sz="1400" dirty="0"/>
+              <a:t>A partir dos dados do IBGE em 2016, a população tem mais acesso a smartphone (62%) do que ao uso de computadores (46,2%), justificando a escolha de uma aplicação mobile para a </a:t>
+            </a:r>
+            <a:r>
+              <a:rPr lang="pt-BR" sz="1400" dirty="0" err="1"/>
+              <a:t>ONGInfo</a:t>
+            </a:r>
+            <a:r>
+              <a:rPr lang="pt-BR" sz="1400" dirty="0"/>
+              <a:t>.</a:t>
             </a:r>
           </a:p>
         </p:txBody>
@@ -4025,7 +4041,7 @@
         </p:blipFill>
         <p:spPr>
           <a:xfrm>
-            <a:off x="5845399" y="1358982"/>
+            <a:off x="5845399" y="1371732"/>
             <a:ext cx="710877" cy="720440"/>
           </a:xfrm>
           <a:prstGeom prst="rect">
